--- a/Week 3/03 More CSS.pptx
+++ b/Week 3/03 More CSS.pptx
@@ -317,7 +317,7 @@
           <a:p>
             <a:fld id="{46FB2EC9-EA7B-9440-9FFE-92A4AA7C1001}" type="datetimeFigureOut">
               <a:rPr lang="en-US" smtClean="0"/>
-              <a:t>8/17/18</a:t>
+              <a:t>1/25/19</a:t>
             </a:fld>
             <a:endParaRPr lang="en-US"/>
           </a:p>
@@ -735,12 +735,7 @@
             <p:ph type="sldImg"/>
           </p:nvPr>
         </p:nvSpPr>
-        <p:spPr>
-          <a:xfrm>
-            <a:off x="381000" y="685800"/>
-            <a:ext cx="6096000" cy="3429000"/>
-          </a:xfrm>
-        </p:spPr>
+        <p:spPr/>
       </p:sp>
       <p:sp>
         <p:nvSpPr>
@@ -757,6 +752,20 @@
           <a:bodyPr/>
           <a:lstStyle/>
           <a:p>
+            <a:r>
+              <a:rPr lang="en-US" dirty="0" smtClean="0"/>
+              <a:t>h1</a:t>
+            </a:r>
+            <a:r>
+              <a:rPr lang="en-US" baseline="0" dirty="0" smtClean="0"/>
+              <a:t> is block</a:t>
+            </a:r>
+          </a:p>
+          <a:p>
+            <a:r>
+              <a:rPr lang="en-US" baseline="0" dirty="0" smtClean="0"/>
+              <a:t>span is inline; only takes as much space that it needs</a:t>
+            </a:r>
             <a:endParaRPr lang="en-US" dirty="0"/>
           </a:p>
         </p:txBody>
@@ -776,29 +785,18 @@
           <a:bodyPr/>
           <a:lstStyle/>
           <a:p>
-            <a:fld id="{802E6729-C6DA-F142-9A72-886131A1D556}" type="slidenum">
-              <a:rPr lang="en-US" smtClean="0">
-                <a:solidFill>
-                  <a:prstClr val="black"/>
-                </a:solidFill>
-                <a:latin typeface="Calibri"/>
-              </a:rPr>
-              <a:pPr/>
-              <a:t>55</a:t>
+            <a:fld id="{CE5D548A-E2E2-2A4B-BE14-E7090BE25E18}" type="slidenum">
+              <a:rPr lang="en-US" smtClean="0"/>
+              <a:t>46</a:t>
             </a:fld>
-            <a:endParaRPr lang="en-US">
-              <a:solidFill>
-                <a:prstClr val="black"/>
-              </a:solidFill>
-              <a:latin typeface="Calibri"/>
-            </a:endParaRPr>
+            <a:endParaRPr lang="en-US"/>
           </a:p>
         </p:txBody>
       </p:sp>
     </p:spTree>
     <p:extLst>
       <p:ext uri="{BB962C8B-B14F-4D97-AF65-F5344CB8AC3E}">
-        <p14:creationId xmlns:p14="http://schemas.microsoft.com/office/powerpoint/2010/main" val="436504548"/>
+        <p14:creationId xmlns:p14="http://schemas.microsoft.com/office/powerpoint/2010/main" val="1488270802"/>
       </p:ext>
     </p:extLst>
   </p:cSld>
@@ -884,6 +882,106 @@
                 <a:latin typeface="Calibri"/>
               </a:rPr>
               <a:pPr/>
+              <a:t>55</a:t>
+            </a:fld>
+            <a:endParaRPr lang="en-US">
+              <a:solidFill>
+                <a:prstClr val="black"/>
+              </a:solidFill>
+              <a:latin typeface="Calibri"/>
+            </a:endParaRPr>
+          </a:p>
+        </p:txBody>
+      </p:sp>
+    </p:spTree>
+    <p:extLst>
+      <p:ext uri="{BB962C8B-B14F-4D97-AF65-F5344CB8AC3E}">
+        <p14:creationId xmlns:p14="http://schemas.microsoft.com/office/powerpoint/2010/main" val="436504548"/>
+      </p:ext>
+    </p:extLst>
+  </p:cSld>
+  <p:clrMapOvr>
+    <a:masterClrMapping/>
+  </p:clrMapOvr>
+</p:notes>
+</file>
+
+<file path=ppt/notesSlides/notesSlide4.xml><?xml version="1.0" encoding="utf-8"?>
+<p:notes xmlns:a="http://schemas.openxmlformats.org/drawingml/2006/main" xmlns:r="http://schemas.openxmlformats.org/officeDocument/2006/relationships" xmlns:p="http://schemas.openxmlformats.org/presentationml/2006/main">
+  <p:cSld>
+    <p:spTree>
+      <p:nvGrpSpPr>
+        <p:cNvPr id="1" name=""/>
+        <p:cNvGrpSpPr/>
+        <p:nvPr/>
+      </p:nvGrpSpPr>
+      <p:grpSpPr>
+        <a:xfrm>
+          <a:off x="0" y="0"/>
+          <a:ext cx="0" cy="0"/>
+          <a:chOff x="0" y="0"/>
+          <a:chExt cx="0" cy="0"/>
+        </a:xfrm>
+      </p:grpSpPr>
+      <p:sp>
+        <p:nvSpPr>
+          <p:cNvPr id="2" name="Slide Image Placeholder 1"/>
+          <p:cNvSpPr>
+            <a:spLocks noGrp="1" noRot="1" noChangeAspect="1"/>
+          </p:cNvSpPr>
+          <p:nvPr>
+            <p:ph type="sldImg"/>
+          </p:nvPr>
+        </p:nvSpPr>
+        <p:spPr>
+          <a:xfrm>
+            <a:off x="381000" y="685800"/>
+            <a:ext cx="6096000" cy="3429000"/>
+          </a:xfrm>
+        </p:spPr>
+      </p:sp>
+      <p:sp>
+        <p:nvSpPr>
+          <p:cNvPr id="3" name="Notes Placeholder 2"/>
+          <p:cNvSpPr>
+            <a:spLocks noGrp="1"/>
+          </p:cNvSpPr>
+          <p:nvPr>
+            <p:ph type="body" idx="1"/>
+          </p:nvPr>
+        </p:nvSpPr>
+        <p:spPr/>
+        <p:txBody>
+          <a:bodyPr/>
+          <a:lstStyle/>
+          <a:p>
+            <a:endParaRPr lang="en-US" dirty="0"/>
+          </a:p>
+        </p:txBody>
+      </p:sp>
+      <p:sp>
+        <p:nvSpPr>
+          <p:cNvPr id="4" name="Slide Number Placeholder 3"/>
+          <p:cNvSpPr>
+            <a:spLocks noGrp="1"/>
+          </p:cNvSpPr>
+          <p:nvPr>
+            <p:ph type="sldNum" sz="quarter" idx="10"/>
+          </p:nvPr>
+        </p:nvSpPr>
+        <p:spPr/>
+        <p:txBody>
+          <a:bodyPr/>
+          <a:lstStyle/>
+          <a:p>
+            <a:fld id="{802E6729-C6DA-F142-9A72-886131A1D556}" type="slidenum">
+              <a:rPr lang="en-US" smtClean="0">
+                <a:solidFill>
+                  <a:prstClr val="black"/>
+                </a:solidFill>
+                <a:latin typeface="Calibri"/>
+              </a:rPr>
+              <a:pPr/>
               <a:t>68</a:t>
             </a:fld>
             <a:endParaRPr lang="en-US">
@@ -908,7 +1006,281 @@
 </p:notes>
 </file>
 
-<file path=ppt/notesSlides/notesSlide4.xml><?xml version="1.0" encoding="utf-8"?>
+<file path=ppt/notesSlides/notesSlide5.xml><?xml version="1.0" encoding="utf-8"?>
+<p:notes xmlns:a="http://schemas.openxmlformats.org/drawingml/2006/main" xmlns:r="http://schemas.openxmlformats.org/officeDocument/2006/relationships" xmlns:p="http://schemas.openxmlformats.org/presentationml/2006/main">
+  <p:cSld>
+    <p:spTree>
+      <p:nvGrpSpPr>
+        <p:cNvPr id="1" name=""/>
+        <p:cNvGrpSpPr/>
+        <p:nvPr/>
+      </p:nvGrpSpPr>
+      <p:grpSpPr>
+        <a:xfrm>
+          <a:off x="0" y="0"/>
+          <a:ext cx="0" cy="0"/>
+          <a:chOff x="0" y="0"/>
+          <a:chExt cx="0" cy="0"/>
+        </a:xfrm>
+      </p:grpSpPr>
+      <p:sp>
+        <p:nvSpPr>
+          <p:cNvPr id="2" name="Slide Image Placeholder 1"/>
+          <p:cNvSpPr>
+            <a:spLocks noGrp="1" noRot="1" noChangeAspect="1"/>
+          </p:cNvSpPr>
+          <p:nvPr>
+            <p:ph type="sldImg"/>
+          </p:nvPr>
+        </p:nvSpPr>
+        <p:spPr/>
+      </p:sp>
+      <p:sp>
+        <p:nvSpPr>
+          <p:cNvPr id="3" name="Notes Placeholder 2"/>
+          <p:cNvSpPr>
+            <a:spLocks noGrp="1"/>
+          </p:cNvSpPr>
+          <p:nvPr>
+            <p:ph type="body" idx="1"/>
+          </p:nvPr>
+        </p:nvSpPr>
+        <p:spPr/>
+        <p:txBody>
+          <a:bodyPr/>
+          <a:lstStyle/>
+          <a:p>
+            <a:endParaRPr lang="en-US" dirty="0"/>
+          </a:p>
+        </p:txBody>
+      </p:sp>
+      <p:sp>
+        <p:nvSpPr>
+          <p:cNvPr id="4" name="Slide Number Placeholder 3"/>
+          <p:cNvSpPr>
+            <a:spLocks noGrp="1"/>
+          </p:cNvSpPr>
+          <p:nvPr>
+            <p:ph type="sldNum" sz="quarter" idx="10"/>
+          </p:nvPr>
+        </p:nvSpPr>
+        <p:spPr/>
+        <p:txBody>
+          <a:bodyPr/>
+          <a:lstStyle/>
+          <a:p>
+            <a:fld id="{CE5D548A-E2E2-2A4B-BE14-E7090BE25E18}" type="slidenum">
+              <a:rPr lang="en-US" smtClean="0"/>
+              <a:t>76</a:t>
+            </a:fld>
+            <a:endParaRPr lang="en-US"/>
+          </a:p>
+        </p:txBody>
+      </p:sp>
+    </p:spTree>
+    <p:extLst>
+      <p:ext uri="{BB962C8B-B14F-4D97-AF65-F5344CB8AC3E}">
+        <p14:creationId xmlns:p14="http://schemas.microsoft.com/office/powerpoint/2010/main" val="996318244"/>
+      </p:ext>
+    </p:extLst>
+  </p:cSld>
+  <p:clrMapOvr>
+    <a:masterClrMapping/>
+  </p:clrMapOvr>
+</p:notes>
+</file>
+
+<file path=ppt/notesSlides/notesSlide6.xml><?xml version="1.0" encoding="utf-8"?>
+<p:notes xmlns:a="http://schemas.openxmlformats.org/drawingml/2006/main" xmlns:r="http://schemas.openxmlformats.org/officeDocument/2006/relationships" xmlns:p="http://schemas.openxmlformats.org/presentationml/2006/main">
+  <p:cSld>
+    <p:spTree>
+      <p:nvGrpSpPr>
+        <p:cNvPr id="1" name=""/>
+        <p:cNvGrpSpPr/>
+        <p:nvPr/>
+      </p:nvGrpSpPr>
+      <p:grpSpPr>
+        <a:xfrm>
+          <a:off x="0" y="0"/>
+          <a:ext cx="0" cy="0"/>
+          <a:chOff x="0" y="0"/>
+          <a:chExt cx="0" cy="0"/>
+        </a:xfrm>
+      </p:grpSpPr>
+      <p:sp>
+        <p:nvSpPr>
+          <p:cNvPr id="2" name="Slide Image Placeholder 1"/>
+          <p:cNvSpPr>
+            <a:spLocks noGrp="1" noRot="1" noChangeAspect="1"/>
+          </p:cNvSpPr>
+          <p:nvPr>
+            <p:ph type="sldImg"/>
+          </p:nvPr>
+        </p:nvSpPr>
+        <p:spPr/>
+      </p:sp>
+      <p:sp>
+        <p:nvSpPr>
+          <p:cNvPr id="3" name="Notes Placeholder 2"/>
+          <p:cNvSpPr>
+            <a:spLocks noGrp="1"/>
+          </p:cNvSpPr>
+          <p:nvPr>
+            <p:ph type="body" idx="1"/>
+          </p:nvPr>
+        </p:nvSpPr>
+        <p:spPr/>
+        <p:txBody>
+          <a:bodyPr/>
+          <a:lstStyle/>
+          <a:p>
+            <a:r>
+              <a:rPr lang="en-US" dirty="0" smtClean="0"/>
+              <a:t>static</a:t>
+            </a:r>
+            <a:r>
+              <a:rPr lang="en-US" baseline="0" dirty="0" smtClean="0"/>
+              <a:t> – put it in the first spot that it fits</a:t>
+            </a:r>
+          </a:p>
+          <a:p>
+            <a:r>
+              <a:rPr lang="en-US" baseline="0" dirty="0" smtClean="0"/>
+              <a:t>	block vs inline</a:t>
+            </a:r>
+            <a:endParaRPr lang="en-US" dirty="0" smtClean="0"/>
+          </a:p>
+        </p:txBody>
+      </p:sp>
+      <p:sp>
+        <p:nvSpPr>
+          <p:cNvPr id="4" name="Slide Number Placeholder 3"/>
+          <p:cNvSpPr>
+            <a:spLocks noGrp="1"/>
+          </p:cNvSpPr>
+          <p:nvPr>
+            <p:ph type="sldNum" sz="quarter" idx="10"/>
+          </p:nvPr>
+        </p:nvSpPr>
+        <p:spPr/>
+        <p:txBody>
+          <a:bodyPr/>
+          <a:lstStyle/>
+          <a:p>
+            <a:fld id="{CE5D548A-E2E2-2A4B-BE14-E7090BE25E18}" type="slidenum">
+              <a:rPr lang="en-US" smtClean="0"/>
+              <a:t>77</a:t>
+            </a:fld>
+            <a:endParaRPr lang="en-US"/>
+          </a:p>
+        </p:txBody>
+      </p:sp>
+    </p:spTree>
+    <p:extLst>
+      <p:ext uri="{BB962C8B-B14F-4D97-AF65-F5344CB8AC3E}">
+        <p14:creationId xmlns:p14="http://schemas.microsoft.com/office/powerpoint/2010/main" val="854095814"/>
+      </p:ext>
+    </p:extLst>
+  </p:cSld>
+  <p:clrMapOvr>
+    <a:masterClrMapping/>
+  </p:clrMapOvr>
+</p:notes>
+</file>
+
+<file path=ppt/notesSlides/notesSlide7.xml><?xml version="1.0" encoding="utf-8"?>
+<p:notes xmlns:a="http://schemas.openxmlformats.org/drawingml/2006/main" xmlns:r="http://schemas.openxmlformats.org/officeDocument/2006/relationships" xmlns:p="http://schemas.openxmlformats.org/presentationml/2006/main">
+  <p:cSld>
+    <p:spTree>
+      <p:nvGrpSpPr>
+        <p:cNvPr id="1" name=""/>
+        <p:cNvGrpSpPr/>
+        <p:nvPr/>
+      </p:nvGrpSpPr>
+      <p:grpSpPr>
+        <a:xfrm>
+          <a:off x="0" y="0"/>
+          <a:ext cx="0" cy="0"/>
+          <a:chOff x="0" y="0"/>
+          <a:chExt cx="0" cy="0"/>
+        </a:xfrm>
+      </p:grpSpPr>
+      <p:sp>
+        <p:nvSpPr>
+          <p:cNvPr id="2" name="Slide Image Placeholder 1"/>
+          <p:cNvSpPr>
+            <a:spLocks noGrp="1" noRot="1" noChangeAspect="1"/>
+          </p:cNvSpPr>
+          <p:nvPr>
+            <p:ph type="sldImg"/>
+          </p:nvPr>
+        </p:nvSpPr>
+        <p:spPr/>
+      </p:sp>
+      <p:sp>
+        <p:nvSpPr>
+          <p:cNvPr id="3" name="Notes Placeholder 2"/>
+          <p:cNvSpPr>
+            <a:spLocks noGrp="1"/>
+          </p:cNvSpPr>
+          <p:nvPr>
+            <p:ph type="body" idx="1"/>
+          </p:nvPr>
+        </p:nvSpPr>
+        <p:spPr/>
+        <p:txBody>
+          <a:bodyPr/>
+          <a:lstStyle/>
+          <a:p>
+            <a:r>
+              <a:rPr lang="en-US" dirty="0" smtClean="0"/>
+              <a:t>Find the</a:t>
+            </a:r>
+            <a:r>
+              <a:rPr lang="en-US" baseline="0" dirty="0" smtClean="0"/>
+              <a:t> parent and put the exact position requested</a:t>
+            </a:r>
+            <a:endParaRPr lang="en-US" dirty="0"/>
+          </a:p>
+        </p:txBody>
+      </p:sp>
+      <p:sp>
+        <p:nvSpPr>
+          <p:cNvPr id="4" name="Slide Number Placeholder 3"/>
+          <p:cNvSpPr>
+            <a:spLocks noGrp="1"/>
+          </p:cNvSpPr>
+          <p:nvPr>
+            <p:ph type="sldNum" sz="quarter" idx="10"/>
+          </p:nvPr>
+        </p:nvSpPr>
+        <p:spPr/>
+        <p:txBody>
+          <a:bodyPr/>
+          <a:lstStyle/>
+          <a:p>
+            <a:fld id="{CE5D548A-E2E2-2A4B-BE14-E7090BE25E18}" type="slidenum">
+              <a:rPr lang="en-US" smtClean="0"/>
+              <a:t>78</a:t>
+            </a:fld>
+            <a:endParaRPr lang="en-US"/>
+          </a:p>
+        </p:txBody>
+      </p:sp>
+    </p:spTree>
+    <p:extLst>
+      <p:ext uri="{BB962C8B-B14F-4D97-AF65-F5344CB8AC3E}">
+        <p14:creationId xmlns:p14="http://schemas.microsoft.com/office/powerpoint/2010/main" val="506585208"/>
+      </p:ext>
+    </p:extLst>
+  </p:cSld>
+  <p:clrMapOvr>
+    <a:masterClrMapping/>
+  </p:clrMapOvr>
+</p:notes>
+</file>
+
+<file path=ppt/notesSlides/notesSlide8.xml><?xml version="1.0" encoding="utf-8"?>
 <p:notes xmlns:a="http://schemas.openxmlformats.org/drawingml/2006/main" xmlns:r="http://schemas.openxmlformats.org/officeDocument/2006/relationships" xmlns:p="http://schemas.openxmlformats.org/presentationml/2006/main">
   <p:cSld>
     <p:spTree>
@@ -8283,7 +8655,7 @@
           <p:cNvPr id="2" name="Title 1">
             <a:extLst>
               <a:ext uri="{FF2B5EF4-FFF2-40B4-BE49-F238E27FC236}">
-                <a16:creationId xmlns:a16="http://schemas.microsoft.com/office/drawing/2014/main" id="{5836B159-4DB6-8C4E-8A20-FDF45CBCF7C5}"/>
+                <a16:creationId xmlns:a16="http://schemas.microsoft.com/office/drawing/2014/main" xmlns="" id="{5836B159-4DB6-8C4E-8A20-FDF45CBCF7C5}"/>
               </a:ext>
             </a:extLst>
           </p:cNvPr>
@@ -8311,7 +8683,7 @@
           <p:cNvPr id="3" name="Content Placeholder 2">
             <a:extLst>
               <a:ext uri="{FF2B5EF4-FFF2-40B4-BE49-F238E27FC236}">
-                <a16:creationId xmlns:a16="http://schemas.microsoft.com/office/drawing/2014/main" id="{49AE7EF2-854A-BC48-A501-57681F000208}"/>
+                <a16:creationId xmlns:a16="http://schemas.microsoft.com/office/drawing/2014/main" xmlns="" id="{49AE7EF2-854A-BC48-A501-57681F000208}"/>
               </a:ext>
             </a:extLst>
           </p:cNvPr>
@@ -8427,7 +8799,7 @@
           <p:cNvPr id="2" name="Title 1">
             <a:extLst>
               <a:ext uri="{FF2B5EF4-FFF2-40B4-BE49-F238E27FC236}">
-                <a16:creationId xmlns:a16="http://schemas.microsoft.com/office/drawing/2014/main" id="{D0F410EB-FD2C-5646-B1CA-9EF352CE9E44}"/>
+                <a16:creationId xmlns:a16="http://schemas.microsoft.com/office/drawing/2014/main" xmlns="" id="{D0F410EB-FD2C-5646-B1CA-9EF352CE9E44}"/>
               </a:ext>
             </a:extLst>
           </p:cNvPr>
@@ -8478,7 +8850,7 @@
           <p:cNvPr id="3" name="Content Placeholder 2">
             <a:extLst>
               <a:ext uri="{FF2B5EF4-FFF2-40B4-BE49-F238E27FC236}">
-                <a16:creationId xmlns:a16="http://schemas.microsoft.com/office/drawing/2014/main" id="{3D33952A-3D4C-AB42-B4DF-D3A910AA8371}"/>
+                <a16:creationId xmlns:a16="http://schemas.microsoft.com/office/drawing/2014/main" xmlns="" id="{3D33952A-3D4C-AB42-B4DF-D3A910AA8371}"/>
               </a:ext>
             </a:extLst>
           </p:cNvPr>
@@ -14866,7 +15238,7 @@
           <p:cNvPr id="2" name="Title 1">
             <a:extLst>
               <a:ext uri="{FF2B5EF4-FFF2-40B4-BE49-F238E27FC236}">
-                <a16:creationId xmlns:a16="http://schemas.microsoft.com/office/drawing/2014/main" id="{CB0F033C-9309-DB43-85A6-60026807864F}"/>
+                <a16:creationId xmlns:a16="http://schemas.microsoft.com/office/drawing/2014/main" xmlns="" id="{CB0F033C-9309-DB43-85A6-60026807864F}"/>
               </a:ext>
             </a:extLst>
           </p:cNvPr>
@@ -14894,7 +15266,7 @@
           <p:cNvPr id="3" name="Content Placeholder 2">
             <a:extLst>
               <a:ext uri="{FF2B5EF4-FFF2-40B4-BE49-F238E27FC236}">
-                <a16:creationId xmlns:a16="http://schemas.microsoft.com/office/drawing/2014/main" id="{6EF9B05A-C156-B343-B1BC-419D86FF0653}"/>
+                <a16:creationId xmlns:a16="http://schemas.microsoft.com/office/drawing/2014/main" xmlns="" id="{6EF9B05A-C156-B343-B1BC-419D86FF0653}"/>
               </a:ext>
             </a:extLst>
           </p:cNvPr>
@@ -15805,7 +16177,7 @@
           </p:nvPr>
         </p:nvPicPr>
         <p:blipFill rotWithShape="1">
-          <a:blip r:embed="rId2">
+          <a:blip r:embed="rId3">
             <a:extLst>
               <a:ext uri="{28A0092B-C50C-407E-A947-70E740481C1C}">
                 <a14:useLocalDpi xmlns:a14="http://schemas.microsoft.com/office/drawing/2010/main" val="0"/>
@@ -15831,7 +16203,7 @@
           <p:nvPr/>
         </p:nvPicPr>
         <p:blipFill>
-          <a:blip r:embed="rId3">
+          <a:blip r:embed="rId4">
             <a:extLst>
               <a:ext uri="{28A0092B-C50C-407E-A947-70E740481C1C}">
                 <a14:useLocalDpi xmlns:a14="http://schemas.microsoft.com/office/drawing/2010/main" val="0"/>
